--- a/images2/picsUsecases2/EmptyWheel_Usecase1.pptx
+++ b/images2/picsUsecases2/EmptyWheel_Usecase1.pptx
@@ -243,7 +243,7 @@
           <a:p>
             <a:fld id="{04689A5A-94D1-7E45-B099-E10FE018B022}" type="datetimeFigureOut">
               <a:rPr lang="en-US" smtClean="0"/>
-              <a:t>12/12/17</a:t>
+              <a:t>4/20/18</a:t>
             </a:fld>
             <a:endParaRPr lang="en-US"/>
           </a:p>
@@ -413,7 +413,7 @@
           <a:p>
             <a:fld id="{04689A5A-94D1-7E45-B099-E10FE018B022}" type="datetimeFigureOut">
               <a:rPr lang="en-US" smtClean="0"/>
-              <a:t>12/12/17</a:t>
+              <a:t>4/20/18</a:t>
             </a:fld>
             <a:endParaRPr lang="en-US"/>
           </a:p>
@@ -593,7 +593,7 @@
           <a:p>
             <a:fld id="{04689A5A-94D1-7E45-B099-E10FE018B022}" type="datetimeFigureOut">
               <a:rPr lang="en-US" smtClean="0"/>
-              <a:t>12/12/17</a:t>
+              <a:t>4/20/18</a:t>
             </a:fld>
             <a:endParaRPr lang="en-US"/>
           </a:p>
@@ -763,7 +763,7 @@
           <a:p>
             <a:fld id="{04689A5A-94D1-7E45-B099-E10FE018B022}" type="datetimeFigureOut">
               <a:rPr lang="en-US" smtClean="0"/>
-              <a:t>12/12/17</a:t>
+              <a:t>4/20/18</a:t>
             </a:fld>
             <a:endParaRPr lang="en-US"/>
           </a:p>
@@ -1009,7 +1009,7 @@
           <a:p>
             <a:fld id="{04689A5A-94D1-7E45-B099-E10FE018B022}" type="datetimeFigureOut">
               <a:rPr lang="en-US" smtClean="0"/>
-              <a:t>12/12/17</a:t>
+              <a:t>4/20/18</a:t>
             </a:fld>
             <a:endParaRPr lang="en-US"/>
           </a:p>
@@ -1241,7 +1241,7 @@
           <a:p>
             <a:fld id="{04689A5A-94D1-7E45-B099-E10FE018B022}" type="datetimeFigureOut">
               <a:rPr lang="en-US" smtClean="0"/>
-              <a:t>12/12/17</a:t>
+              <a:t>4/20/18</a:t>
             </a:fld>
             <a:endParaRPr lang="en-US"/>
           </a:p>
@@ -1608,7 +1608,7 @@
           <a:p>
             <a:fld id="{04689A5A-94D1-7E45-B099-E10FE018B022}" type="datetimeFigureOut">
               <a:rPr lang="en-US" smtClean="0"/>
-              <a:t>12/12/17</a:t>
+              <a:t>4/20/18</a:t>
             </a:fld>
             <a:endParaRPr lang="en-US"/>
           </a:p>
@@ -1726,7 +1726,7 @@
           <a:p>
             <a:fld id="{04689A5A-94D1-7E45-B099-E10FE018B022}" type="datetimeFigureOut">
               <a:rPr lang="en-US" smtClean="0"/>
-              <a:t>12/12/17</a:t>
+              <a:t>4/20/18</a:t>
             </a:fld>
             <a:endParaRPr lang="en-US"/>
           </a:p>
@@ -1821,7 +1821,7 @@
           <a:p>
             <a:fld id="{04689A5A-94D1-7E45-B099-E10FE018B022}" type="datetimeFigureOut">
               <a:rPr lang="en-US" smtClean="0"/>
-              <a:t>12/12/17</a:t>
+              <a:t>4/20/18</a:t>
             </a:fld>
             <a:endParaRPr lang="en-US"/>
           </a:p>
@@ -2098,7 +2098,7 @@
           <a:p>
             <a:fld id="{04689A5A-94D1-7E45-B099-E10FE018B022}" type="datetimeFigureOut">
               <a:rPr lang="en-US" smtClean="0"/>
-              <a:t>12/12/17</a:t>
+              <a:t>4/20/18</a:t>
             </a:fld>
             <a:endParaRPr lang="en-US"/>
           </a:p>
@@ -2351,7 +2351,7 @@
           <a:p>
             <a:fld id="{04689A5A-94D1-7E45-B099-E10FE018B022}" type="datetimeFigureOut">
               <a:rPr lang="en-US" smtClean="0"/>
-              <a:t>12/12/17</a:t>
+              <a:t>4/20/18</a:t>
             </a:fld>
             <a:endParaRPr lang="en-US"/>
           </a:p>
@@ -2564,7 +2564,7 @@
           <a:p>
             <a:fld id="{04689A5A-94D1-7E45-B099-E10FE018B022}" type="datetimeFigureOut">
               <a:rPr lang="en-US" smtClean="0"/>
-              <a:t>12/12/17</a:t>
+              <a:t>4/20/18</a:t>
             </a:fld>
             <a:endParaRPr lang="en-US"/>
           </a:p>
@@ -3070,11 +3070,7 @@
           <a:p>
             <a:r>
               <a:rPr lang="en-US" sz="1200" b="1" dirty="0" smtClean="0"/>
-              <a:t>Box </a:t>
-            </a:r>
-            <a:r>
-              <a:rPr lang="en-US" sz="1200" b="1" dirty="0" smtClean="0"/>
-              <a:t>C1</a:t>
+              <a:t>Box C1</a:t>
             </a:r>
             <a:endParaRPr lang="en-US" sz="1200" b="1" dirty="0"/>
           </a:p>
@@ -3151,11 +3147,7 @@
           <a:p>
             <a:r>
               <a:rPr lang="en-US" sz="1200" b="1" dirty="0" smtClean="0"/>
-              <a:t>Box </a:t>
-            </a:r>
-            <a:r>
-              <a:rPr lang="en-US" sz="1200" b="1" dirty="0" smtClean="0"/>
-              <a:t>C2</a:t>
+              <a:t>Box C2</a:t>
             </a:r>
             <a:endParaRPr lang="en-US" sz="1200" b="1" dirty="0"/>
           </a:p>
@@ -3220,40 +3212,6 @@
       </p:sp>
       <p:sp>
         <p:nvSpPr>
-          <p:cNvPr id="10" name="TextBox 9"/>
-          <p:cNvSpPr txBox="1"/>
-          <p:nvPr/>
-        </p:nvSpPr>
-        <p:spPr>
-          <a:xfrm>
-            <a:off x="4409429" y="337005"/>
-            <a:ext cx="744718" cy="276999"/>
-          </a:xfrm>
-          <a:prstGeom prst="rect">
-            <a:avLst/>
-          </a:prstGeom>
-          <a:noFill/>
-        </p:spPr>
-        <p:txBody>
-          <a:bodyPr wrap="square" rtlCol="0">
-            <a:spAutoFit/>
-          </a:bodyPr>
-          <a:lstStyle/>
-          <a:p>
-            <a:r>
-              <a:rPr lang="en-US" sz="1200" b="1" dirty="0" smtClean="0"/>
-              <a:t>Box </a:t>
-            </a:r>
-            <a:r>
-              <a:rPr lang="en-US" sz="1200" b="1" dirty="0" smtClean="0"/>
-              <a:t>E1</a:t>
-            </a:r>
-            <a:endParaRPr lang="en-US" sz="1200" b="1" dirty="0"/>
-          </a:p>
-        </p:txBody>
-      </p:sp>
-      <p:sp>
-        <p:nvSpPr>
           <p:cNvPr id="12" name="Rounded Rectangle 11"/>
           <p:cNvSpPr/>
           <p:nvPr/>
@@ -3311,7 +3269,7 @@
         <p:spPr>
           <a:xfrm>
             <a:off x="4811454" y="863600"/>
-            <a:ext cx="352853" cy="676240"/>
+            <a:ext cx="342693" cy="676240"/>
           </a:xfrm>
           <a:prstGeom prst="roundRect">
             <a:avLst/>
@@ -3351,13 +3309,13 @@
       </p:sp>
       <p:sp>
         <p:nvSpPr>
-          <p:cNvPr id="14" name="TextBox 13"/>
+          <p:cNvPr id="15" name="TextBox 14"/>
           <p:cNvSpPr txBox="1"/>
           <p:nvPr/>
         </p:nvSpPr>
         <p:spPr>
           <a:xfrm>
-            <a:off x="4741760" y="1267771"/>
+            <a:off x="5133827" y="2870625"/>
             <a:ext cx="744718" cy="276999"/>
           </a:xfrm>
           <a:prstGeom prst="rect">
@@ -3373,11 +3331,7 @@
           <a:p>
             <a:r>
               <a:rPr lang="en-US" sz="1200" b="1" dirty="0" smtClean="0"/>
-              <a:t>Box </a:t>
-            </a:r>
-            <a:r>
-              <a:rPr lang="en-US" sz="1200" b="1" dirty="0" smtClean="0"/>
-              <a:t>D1</a:t>
+              <a:t>Box D2</a:t>
             </a:r>
             <a:endParaRPr lang="en-US" sz="1200" b="1" dirty="0"/>
           </a:p>
@@ -3385,13 +3339,13 @@
       </p:sp>
       <p:sp>
         <p:nvSpPr>
-          <p:cNvPr id="15" name="TextBox 14"/>
+          <p:cNvPr id="16" name="TextBox 15"/>
           <p:cNvSpPr txBox="1"/>
           <p:nvPr/>
         </p:nvSpPr>
         <p:spPr>
           <a:xfrm>
-            <a:off x="5133827" y="2870625"/>
+            <a:off x="5154147" y="3347402"/>
             <a:ext cx="744718" cy="276999"/>
           </a:xfrm>
           <a:prstGeom prst="rect">
@@ -3407,45 +3361,7 @@
           <a:p>
             <a:r>
               <a:rPr lang="en-US" sz="1200" b="1" dirty="0" smtClean="0"/>
-              <a:t>Box </a:t>
-            </a:r>
-            <a:r>
-              <a:rPr lang="en-US" sz="1200" b="1" dirty="0" smtClean="0"/>
-              <a:t>D2</a:t>
-            </a:r>
-            <a:endParaRPr lang="en-US" sz="1200" b="1" dirty="0"/>
-          </a:p>
-        </p:txBody>
-      </p:sp>
-      <p:sp>
-        <p:nvSpPr>
-          <p:cNvPr id="16" name="TextBox 15"/>
-          <p:cNvSpPr txBox="1"/>
-          <p:nvPr/>
-        </p:nvSpPr>
-        <p:spPr>
-          <a:xfrm>
-            <a:off x="5154147" y="3347402"/>
-            <a:ext cx="744718" cy="276999"/>
-          </a:xfrm>
-          <a:prstGeom prst="rect">
-            <a:avLst/>
-          </a:prstGeom>
-          <a:noFill/>
-        </p:spPr>
-        <p:txBody>
-          <a:bodyPr wrap="square" rtlCol="0">
-            <a:spAutoFit/>
-          </a:bodyPr>
-          <a:lstStyle/>
-          <a:p>
-            <a:r>
-              <a:rPr lang="en-US" sz="1200" b="1" dirty="0" smtClean="0"/>
-              <a:t>Box </a:t>
-            </a:r>
-            <a:r>
-              <a:rPr lang="en-US" sz="1200" b="1" dirty="0" smtClean="0"/>
-              <a:t>E2</a:t>
+              <a:t>Box E2</a:t>
             </a:r>
             <a:endParaRPr lang="en-US" sz="1200" b="1" dirty="0"/>
           </a:p>
@@ -3612,11 +3528,7 @@
           <a:p>
             <a:r>
               <a:rPr lang="en-US" sz="1200" b="1" dirty="0" smtClean="0"/>
-              <a:t>Box </a:t>
-            </a:r>
-            <a:r>
-              <a:rPr lang="en-US" sz="1200" b="1" dirty="0" smtClean="0"/>
-              <a:t>F2</a:t>
+              <a:t>Box F2</a:t>
             </a:r>
             <a:endParaRPr lang="en-US" sz="1200" b="1" dirty="0"/>
           </a:p>
@@ -3693,11 +3605,7 @@
           <a:p>
             <a:r>
               <a:rPr lang="en-US" sz="1200" b="1" dirty="0" smtClean="0"/>
-              <a:t>Box </a:t>
-            </a:r>
-            <a:r>
-              <a:rPr lang="en-US" sz="1200" b="1" dirty="0" smtClean="0"/>
-              <a:t>F1</a:t>
+              <a:t>Box F1</a:t>
             </a:r>
             <a:endParaRPr lang="en-US" sz="1200" b="1" dirty="0"/>
           </a:p>
@@ -3774,11 +3682,67 @@
           <a:p>
             <a:r>
               <a:rPr lang="en-US" sz="1200" b="1" dirty="0" smtClean="0"/>
-              <a:t>Box </a:t>
-            </a:r>
+              <a:t>Box F3</a:t>
+            </a:r>
+            <a:endParaRPr lang="en-US" sz="1200" b="1" dirty="0"/>
+          </a:p>
+        </p:txBody>
+      </p:sp>
+      <p:sp>
+        <p:nvSpPr>
+          <p:cNvPr id="10" name="TextBox 9"/>
+          <p:cNvSpPr txBox="1"/>
+          <p:nvPr/>
+        </p:nvSpPr>
+        <p:spPr>
+          <a:xfrm>
+            <a:off x="4409429" y="337005"/>
+            <a:ext cx="744718" cy="276999"/>
+          </a:xfrm>
+          <a:prstGeom prst="rect">
+            <a:avLst/>
+          </a:prstGeom>
+          <a:noFill/>
+        </p:spPr>
+        <p:txBody>
+          <a:bodyPr wrap="square" rtlCol="0">
+            <a:spAutoFit/>
+          </a:bodyPr>
+          <a:lstStyle/>
+          <a:p>
             <a:r>
               <a:rPr lang="en-US" sz="1200" b="1" dirty="0" smtClean="0"/>
-              <a:t>F3</a:t>
+              <a:t>Box E1</a:t>
+            </a:r>
+            <a:endParaRPr lang="en-US" sz="1200" b="1" dirty="0"/>
+          </a:p>
+        </p:txBody>
+      </p:sp>
+      <p:sp>
+        <p:nvSpPr>
+          <p:cNvPr id="14" name="TextBox 13"/>
+          <p:cNvSpPr txBox="1"/>
+          <p:nvPr/>
+        </p:nvSpPr>
+        <p:spPr>
+          <a:xfrm>
+            <a:off x="4741760" y="1267771"/>
+            <a:ext cx="744718" cy="276999"/>
+          </a:xfrm>
+          <a:prstGeom prst="rect">
+            <a:avLst/>
+          </a:prstGeom>
+          <a:noFill/>
+        </p:spPr>
+        <p:txBody>
+          <a:bodyPr wrap="square" rtlCol="0">
+            <a:spAutoFit/>
+          </a:bodyPr>
+          <a:lstStyle/>
+          <a:p>
+            <a:r>
+              <a:rPr lang="en-US" sz="1200" b="1" dirty="0" smtClean="0"/>
+              <a:t>Box D1</a:t>
             </a:r>
             <a:endParaRPr lang="en-US" sz="1200" b="1" dirty="0"/>
           </a:p>

--- a/images2/picsUsecases2/EmptyWheel_Usecase1.pptx
+++ b/images2/picsUsecases2/EmptyWheel_Usecase1.pptx
@@ -243,7 +243,7 @@
           <a:p>
             <a:fld id="{04689A5A-94D1-7E45-B099-E10FE018B022}" type="datetimeFigureOut">
               <a:rPr lang="en-US" smtClean="0"/>
-              <a:t>4/20/18</a:t>
+              <a:t>12/12/17</a:t>
             </a:fld>
             <a:endParaRPr lang="en-US"/>
           </a:p>
@@ -413,7 +413,7 @@
           <a:p>
             <a:fld id="{04689A5A-94D1-7E45-B099-E10FE018B022}" type="datetimeFigureOut">
               <a:rPr lang="en-US" smtClean="0"/>
-              <a:t>4/20/18</a:t>
+              <a:t>12/12/17</a:t>
             </a:fld>
             <a:endParaRPr lang="en-US"/>
           </a:p>
@@ -593,7 +593,7 @@
           <a:p>
             <a:fld id="{04689A5A-94D1-7E45-B099-E10FE018B022}" type="datetimeFigureOut">
               <a:rPr lang="en-US" smtClean="0"/>
-              <a:t>4/20/18</a:t>
+              <a:t>12/12/17</a:t>
             </a:fld>
             <a:endParaRPr lang="en-US"/>
           </a:p>
@@ -763,7 +763,7 @@
           <a:p>
             <a:fld id="{04689A5A-94D1-7E45-B099-E10FE018B022}" type="datetimeFigureOut">
               <a:rPr lang="en-US" smtClean="0"/>
-              <a:t>4/20/18</a:t>
+              <a:t>12/12/17</a:t>
             </a:fld>
             <a:endParaRPr lang="en-US"/>
           </a:p>
@@ -1009,7 +1009,7 @@
           <a:p>
             <a:fld id="{04689A5A-94D1-7E45-B099-E10FE018B022}" type="datetimeFigureOut">
               <a:rPr lang="en-US" smtClean="0"/>
-              <a:t>4/20/18</a:t>
+              <a:t>12/12/17</a:t>
             </a:fld>
             <a:endParaRPr lang="en-US"/>
           </a:p>
@@ -1241,7 +1241,7 @@
           <a:p>
             <a:fld id="{04689A5A-94D1-7E45-B099-E10FE018B022}" type="datetimeFigureOut">
               <a:rPr lang="en-US" smtClean="0"/>
-              <a:t>4/20/18</a:t>
+              <a:t>12/12/17</a:t>
             </a:fld>
             <a:endParaRPr lang="en-US"/>
           </a:p>
@@ -1608,7 +1608,7 @@
           <a:p>
             <a:fld id="{04689A5A-94D1-7E45-B099-E10FE018B022}" type="datetimeFigureOut">
               <a:rPr lang="en-US" smtClean="0"/>
-              <a:t>4/20/18</a:t>
+              <a:t>12/12/17</a:t>
             </a:fld>
             <a:endParaRPr lang="en-US"/>
           </a:p>
@@ -1726,7 +1726,7 @@
           <a:p>
             <a:fld id="{04689A5A-94D1-7E45-B099-E10FE018B022}" type="datetimeFigureOut">
               <a:rPr lang="en-US" smtClean="0"/>
-              <a:t>4/20/18</a:t>
+              <a:t>12/12/17</a:t>
             </a:fld>
             <a:endParaRPr lang="en-US"/>
           </a:p>
@@ -1821,7 +1821,7 @@
           <a:p>
             <a:fld id="{04689A5A-94D1-7E45-B099-E10FE018B022}" type="datetimeFigureOut">
               <a:rPr lang="en-US" smtClean="0"/>
-              <a:t>4/20/18</a:t>
+              <a:t>12/12/17</a:t>
             </a:fld>
             <a:endParaRPr lang="en-US"/>
           </a:p>
@@ -2098,7 +2098,7 @@
           <a:p>
             <a:fld id="{04689A5A-94D1-7E45-B099-E10FE018B022}" type="datetimeFigureOut">
               <a:rPr lang="en-US" smtClean="0"/>
-              <a:t>4/20/18</a:t>
+              <a:t>12/12/17</a:t>
             </a:fld>
             <a:endParaRPr lang="en-US"/>
           </a:p>
@@ -2351,7 +2351,7 @@
           <a:p>
             <a:fld id="{04689A5A-94D1-7E45-B099-E10FE018B022}" type="datetimeFigureOut">
               <a:rPr lang="en-US" smtClean="0"/>
-              <a:t>4/20/18</a:t>
+              <a:t>12/12/17</a:t>
             </a:fld>
             <a:endParaRPr lang="en-US"/>
           </a:p>
@@ -2564,7 +2564,7 @@
           <a:p>
             <a:fld id="{04689A5A-94D1-7E45-B099-E10FE018B022}" type="datetimeFigureOut">
               <a:rPr lang="en-US" smtClean="0"/>
-              <a:t>4/20/18</a:t>
+              <a:t>12/12/17</a:t>
             </a:fld>
             <a:endParaRPr lang="en-US"/>
           </a:p>
@@ -3070,7 +3070,11 @@
           <a:p>
             <a:r>
               <a:rPr lang="en-US" sz="1200" b="1" dirty="0" smtClean="0"/>
-              <a:t>Box C1</a:t>
+              <a:t>Box </a:t>
+            </a:r>
+            <a:r>
+              <a:rPr lang="en-US" sz="1200" b="1" dirty="0" smtClean="0"/>
+              <a:t>C1</a:t>
             </a:r>
             <a:endParaRPr lang="en-US" sz="1200" b="1" dirty="0"/>
           </a:p>
@@ -3147,7 +3151,11 @@
           <a:p>
             <a:r>
               <a:rPr lang="en-US" sz="1200" b="1" dirty="0" smtClean="0"/>
-              <a:t>Box C2</a:t>
+              <a:t>Box </a:t>
+            </a:r>
+            <a:r>
+              <a:rPr lang="en-US" sz="1200" b="1" dirty="0" smtClean="0"/>
+              <a:t>C2</a:t>
             </a:r>
             <a:endParaRPr lang="en-US" sz="1200" b="1" dirty="0"/>
           </a:p>
@@ -3212,6 +3220,40 @@
       </p:sp>
       <p:sp>
         <p:nvSpPr>
+          <p:cNvPr id="10" name="TextBox 9"/>
+          <p:cNvSpPr txBox="1"/>
+          <p:nvPr/>
+        </p:nvSpPr>
+        <p:spPr>
+          <a:xfrm>
+            <a:off x="4409429" y="337005"/>
+            <a:ext cx="744718" cy="276999"/>
+          </a:xfrm>
+          <a:prstGeom prst="rect">
+            <a:avLst/>
+          </a:prstGeom>
+          <a:noFill/>
+        </p:spPr>
+        <p:txBody>
+          <a:bodyPr wrap="square" rtlCol="0">
+            <a:spAutoFit/>
+          </a:bodyPr>
+          <a:lstStyle/>
+          <a:p>
+            <a:r>
+              <a:rPr lang="en-US" sz="1200" b="1" dirty="0" smtClean="0"/>
+              <a:t>Box </a:t>
+            </a:r>
+            <a:r>
+              <a:rPr lang="en-US" sz="1200" b="1" dirty="0" smtClean="0"/>
+              <a:t>E1</a:t>
+            </a:r>
+            <a:endParaRPr lang="en-US" sz="1200" b="1" dirty="0"/>
+          </a:p>
+        </p:txBody>
+      </p:sp>
+      <p:sp>
+        <p:nvSpPr>
           <p:cNvPr id="12" name="Rounded Rectangle 11"/>
           <p:cNvSpPr/>
           <p:nvPr/>
@@ -3269,7 +3311,7 @@
         <p:spPr>
           <a:xfrm>
             <a:off x="4811454" y="863600"/>
-            <a:ext cx="342693" cy="676240"/>
+            <a:ext cx="352853" cy="676240"/>
           </a:xfrm>
           <a:prstGeom prst="roundRect">
             <a:avLst/>
@@ -3309,13 +3351,13 @@
       </p:sp>
       <p:sp>
         <p:nvSpPr>
-          <p:cNvPr id="15" name="TextBox 14"/>
+          <p:cNvPr id="14" name="TextBox 13"/>
           <p:cNvSpPr txBox="1"/>
           <p:nvPr/>
         </p:nvSpPr>
         <p:spPr>
           <a:xfrm>
-            <a:off x="5133827" y="2870625"/>
+            <a:off x="4741760" y="1267771"/>
             <a:ext cx="744718" cy="276999"/>
           </a:xfrm>
           <a:prstGeom prst="rect">
@@ -3331,7 +3373,11 @@
           <a:p>
             <a:r>
               <a:rPr lang="en-US" sz="1200" b="1" dirty="0" smtClean="0"/>
-              <a:t>Box D2</a:t>
+              <a:t>Box </a:t>
+            </a:r>
+            <a:r>
+              <a:rPr lang="en-US" sz="1200" b="1" dirty="0" smtClean="0"/>
+              <a:t>D1</a:t>
             </a:r>
             <a:endParaRPr lang="en-US" sz="1200" b="1" dirty="0"/>
           </a:p>
@@ -3339,13 +3385,13 @@
       </p:sp>
       <p:sp>
         <p:nvSpPr>
-          <p:cNvPr id="16" name="TextBox 15"/>
+          <p:cNvPr id="15" name="TextBox 14"/>
           <p:cNvSpPr txBox="1"/>
           <p:nvPr/>
         </p:nvSpPr>
         <p:spPr>
           <a:xfrm>
-            <a:off x="5154147" y="3347402"/>
+            <a:off x="5133827" y="2870625"/>
             <a:ext cx="744718" cy="276999"/>
           </a:xfrm>
           <a:prstGeom prst="rect">
@@ -3361,7 +3407,45 @@
           <a:p>
             <a:r>
               <a:rPr lang="en-US" sz="1200" b="1" dirty="0" smtClean="0"/>
-              <a:t>Box E2</a:t>
+              <a:t>Box </a:t>
+            </a:r>
+            <a:r>
+              <a:rPr lang="en-US" sz="1200" b="1" dirty="0" smtClean="0"/>
+              <a:t>D2</a:t>
+            </a:r>
+            <a:endParaRPr lang="en-US" sz="1200" b="1" dirty="0"/>
+          </a:p>
+        </p:txBody>
+      </p:sp>
+      <p:sp>
+        <p:nvSpPr>
+          <p:cNvPr id="16" name="TextBox 15"/>
+          <p:cNvSpPr txBox="1"/>
+          <p:nvPr/>
+        </p:nvSpPr>
+        <p:spPr>
+          <a:xfrm>
+            <a:off x="5154147" y="3347402"/>
+            <a:ext cx="744718" cy="276999"/>
+          </a:xfrm>
+          <a:prstGeom prst="rect">
+            <a:avLst/>
+          </a:prstGeom>
+          <a:noFill/>
+        </p:spPr>
+        <p:txBody>
+          <a:bodyPr wrap="square" rtlCol="0">
+            <a:spAutoFit/>
+          </a:bodyPr>
+          <a:lstStyle/>
+          <a:p>
+            <a:r>
+              <a:rPr lang="en-US" sz="1200" b="1" dirty="0" smtClean="0"/>
+              <a:t>Box </a:t>
+            </a:r>
+            <a:r>
+              <a:rPr lang="en-US" sz="1200" b="1" dirty="0" smtClean="0"/>
+              <a:t>E2</a:t>
             </a:r>
             <a:endParaRPr lang="en-US" sz="1200" b="1" dirty="0"/>
           </a:p>
@@ -3528,7 +3612,11 @@
           <a:p>
             <a:r>
               <a:rPr lang="en-US" sz="1200" b="1" dirty="0" smtClean="0"/>
-              <a:t>Box F2</a:t>
+              <a:t>Box </a:t>
+            </a:r>
+            <a:r>
+              <a:rPr lang="en-US" sz="1200" b="1" dirty="0" smtClean="0"/>
+              <a:t>F2</a:t>
             </a:r>
             <a:endParaRPr lang="en-US" sz="1200" b="1" dirty="0"/>
           </a:p>
@@ -3605,7 +3693,11 @@
           <a:p>
             <a:r>
               <a:rPr lang="en-US" sz="1200" b="1" dirty="0" smtClean="0"/>
-              <a:t>Box F1</a:t>
+              <a:t>Box </a:t>
+            </a:r>
+            <a:r>
+              <a:rPr lang="en-US" sz="1200" b="1" dirty="0" smtClean="0"/>
+              <a:t>F1</a:t>
             </a:r>
             <a:endParaRPr lang="en-US" sz="1200" b="1" dirty="0"/>
           </a:p>
@@ -3682,67 +3774,11 @@
           <a:p>
             <a:r>
               <a:rPr lang="en-US" sz="1200" b="1" dirty="0" smtClean="0"/>
-              <a:t>Box F3</a:t>
-            </a:r>
-            <a:endParaRPr lang="en-US" sz="1200" b="1" dirty="0"/>
-          </a:p>
-        </p:txBody>
-      </p:sp>
-      <p:sp>
-        <p:nvSpPr>
-          <p:cNvPr id="10" name="TextBox 9"/>
-          <p:cNvSpPr txBox="1"/>
-          <p:nvPr/>
-        </p:nvSpPr>
-        <p:spPr>
-          <a:xfrm>
-            <a:off x="4409429" y="337005"/>
-            <a:ext cx="744718" cy="276999"/>
-          </a:xfrm>
-          <a:prstGeom prst="rect">
-            <a:avLst/>
-          </a:prstGeom>
-          <a:noFill/>
-        </p:spPr>
-        <p:txBody>
-          <a:bodyPr wrap="square" rtlCol="0">
-            <a:spAutoFit/>
-          </a:bodyPr>
-          <a:lstStyle/>
-          <a:p>
+              <a:t>Box </a:t>
+            </a:r>
             <a:r>
               <a:rPr lang="en-US" sz="1200" b="1" dirty="0" smtClean="0"/>
-              <a:t>Box E1</a:t>
-            </a:r>
-            <a:endParaRPr lang="en-US" sz="1200" b="1" dirty="0"/>
-          </a:p>
-        </p:txBody>
-      </p:sp>
-      <p:sp>
-        <p:nvSpPr>
-          <p:cNvPr id="14" name="TextBox 13"/>
-          <p:cNvSpPr txBox="1"/>
-          <p:nvPr/>
-        </p:nvSpPr>
-        <p:spPr>
-          <a:xfrm>
-            <a:off x="4741760" y="1267771"/>
-            <a:ext cx="744718" cy="276999"/>
-          </a:xfrm>
-          <a:prstGeom prst="rect">
-            <a:avLst/>
-          </a:prstGeom>
-          <a:noFill/>
-        </p:spPr>
-        <p:txBody>
-          <a:bodyPr wrap="square" rtlCol="0">
-            <a:spAutoFit/>
-          </a:bodyPr>
-          <a:lstStyle/>
-          <a:p>
-            <a:r>
-              <a:rPr lang="en-US" sz="1200" b="1" dirty="0" smtClean="0"/>
-              <a:t>Box D1</a:t>
+              <a:t>F3</a:t>
             </a:r>
             <a:endParaRPr lang="en-US" sz="1200" b="1" dirty="0"/>
           </a:p>
